--- a/sem_8_threads/presentations/caos_8.pptx
+++ b/sem_8_threads/presentations/caos_8.pptx
@@ -282,7 +282,7 @@
           <a:p>
             <a:fld id="{1D8BD707-D9CF-40AE-B4C6-C98DA3205C09}" type="datetimeFigureOut">
               <a:rPr lang="en-US"/>
-              <a:t>11/7/2024</a:t>
+              <a:t>11/15/2024</a:t>
             </a:fld>
             <a:endParaRPr lang="en-US"/>
           </a:p>
@@ -457,7 +457,7 @@
           <a:p>
             <a:fld id="{1D8BD707-D9CF-40AE-B4C6-C98DA3205C09}" type="datetimeFigureOut">
               <a:rPr lang="en-US"/>
-              <a:t>11/7/2024</a:t>
+              <a:t>11/15/2024</a:t>
             </a:fld>
             <a:endParaRPr lang="en-US"/>
           </a:p>
@@ -671,7 +671,7 @@
           <a:p>
             <a:fld id="{1D8BD707-D9CF-40AE-B4C6-C98DA3205C09}" type="datetimeFigureOut">
               <a:rPr lang="en-US"/>
-              <a:t>11/7/2024</a:t>
+              <a:t>11/15/2024</a:t>
             </a:fld>
             <a:endParaRPr lang="en-US"/>
           </a:p>
@@ -819,7 +819,7 @@
           <a:p>
             <a:fld id="{1D8BD707-D9CF-40AE-B4C6-C98DA3205C09}" type="datetimeFigureOut">
               <a:rPr lang="en-US"/>
-              <a:t>11/7/2024</a:t>
+              <a:t>11/15/2024</a:t>
             </a:fld>
             <a:endParaRPr lang="en-US"/>
           </a:p>
@@ -968,7 +968,7 @@
           <a:p>
             <a:fld id="{1D8BD707-D9CF-40AE-B4C6-C98DA3205C09}" type="datetimeFigureOut">
               <a:rPr lang="en-US"/>
-              <a:t>11/7/2024</a:t>
+              <a:t>11/15/2024</a:t>
             </a:fld>
             <a:endParaRPr lang="en-US"/>
           </a:p>
@@ -1191,7 +1191,7 @@
           <a:p>
             <a:fld id="{1D8BD707-D9CF-40AE-B4C6-C98DA3205C09}" type="datetimeFigureOut">
               <a:rPr lang="en-US"/>
-              <a:t>11/7/2024</a:t>
+              <a:t>11/15/2024</a:t>
             </a:fld>
             <a:endParaRPr lang="en-US"/>
           </a:p>
